--- a/docs/diagrams/UndoRedoActivityDiagram.pptx
+++ b/docs/diagrams/UndoRedoActivityDiagram.pptx
@@ -112,10 +112,6 @@
 </p:presentation>
 </file>
 
-<file path=ppt/revisionInfo.xml><?xml version="1.0" encoding="utf-8"?>
-<p1510:revInfo xmlns:a="http://schemas.openxmlformats.org/drawingml/2006/main" xmlns:r="http://schemas.openxmlformats.org/officeDocument/2006/relationships" xmlns:p1510="http://schemas.microsoft.com/office/powerpoint/2015/10/main"/>
-</file>
-
 <file path=ppt/slideLayouts/slideLayout1.xml><?xml version="1.0" encoding="utf-8"?>
 <p:sldLayout xmlns:a="http://schemas.openxmlformats.org/drawingml/2006/main" xmlns:r="http://schemas.openxmlformats.org/officeDocument/2006/relationships" xmlns:p="http://schemas.openxmlformats.org/presentationml/2006/main" type="title" preserve="1">
   <p:cSld name="Title Slide">
@@ -265,7 +261,7 @@
           <a:p>
             <a:fld id="{542F47FF-5056-41FF-A1F8-23A414798AA4}" type="datetimeFigureOut">
               <a:rPr lang="en-SG" smtClean="0"/>
-              <a:t>6/7/2018</a:t>
+              <a:t>28/9/18</a:t>
             </a:fld>
             <a:endParaRPr lang="en-SG"/>
           </a:p>
@@ -465,7 +461,7 @@
           <a:p>
             <a:fld id="{542F47FF-5056-41FF-A1F8-23A414798AA4}" type="datetimeFigureOut">
               <a:rPr lang="en-SG" smtClean="0"/>
-              <a:t>6/7/2018</a:t>
+              <a:t>28/9/18</a:t>
             </a:fld>
             <a:endParaRPr lang="en-SG"/>
           </a:p>
@@ -675,7 +671,7 @@
           <a:p>
             <a:fld id="{542F47FF-5056-41FF-A1F8-23A414798AA4}" type="datetimeFigureOut">
               <a:rPr lang="en-SG" smtClean="0"/>
-              <a:t>6/7/2018</a:t>
+              <a:t>28/9/18</a:t>
             </a:fld>
             <a:endParaRPr lang="en-SG"/>
           </a:p>
@@ -875,7 +871,7 @@
           <a:p>
             <a:fld id="{542F47FF-5056-41FF-A1F8-23A414798AA4}" type="datetimeFigureOut">
               <a:rPr lang="en-SG" smtClean="0"/>
-              <a:t>6/7/2018</a:t>
+              <a:t>28/9/18</a:t>
             </a:fld>
             <a:endParaRPr lang="en-SG"/>
           </a:p>
@@ -1151,7 +1147,7 @@
           <a:p>
             <a:fld id="{542F47FF-5056-41FF-A1F8-23A414798AA4}" type="datetimeFigureOut">
               <a:rPr lang="en-SG" smtClean="0"/>
-              <a:t>6/7/2018</a:t>
+              <a:t>28/9/18</a:t>
             </a:fld>
             <a:endParaRPr lang="en-SG"/>
           </a:p>
@@ -1419,7 +1415,7 @@
           <a:p>
             <a:fld id="{542F47FF-5056-41FF-A1F8-23A414798AA4}" type="datetimeFigureOut">
               <a:rPr lang="en-SG" smtClean="0"/>
-              <a:t>6/7/2018</a:t>
+              <a:t>28/9/18</a:t>
             </a:fld>
             <a:endParaRPr lang="en-SG"/>
           </a:p>
@@ -1834,7 +1830,7 @@
           <a:p>
             <a:fld id="{542F47FF-5056-41FF-A1F8-23A414798AA4}" type="datetimeFigureOut">
               <a:rPr lang="en-SG" smtClean="0"/>
-              <a:t>6/7/2018</a:t>
+              <a:t>28/9/18</a:t>
             </a:fld>
             <a:endParaRPr lang="en-SG"/>
           </a:p>
@@ -1976,7 +1972,7 @@
           <a:p>
             <a:fld id="{542F47FF-5056-41FF-A1F8-23A414798AA4}" type="datetimeFigureOut">
               <a:rPr lang="en-SG" smtClean="0"/>
-              <a:t>6/7/2018</a:t>
+              <a:t>28/9/18</a:t>
             </a:fld>
             <a:endParaRPr lang="en-SG"/>
           </a:p>
@@ -2089,7 +2085,7 @@
           <a:p>
             <a:fld id="{542F47FF-5056-41FF-A1F8-23A414798AA4}" type="datetimeFigureOut">
               <a:rPr lang="en-SG" smtClean="0"/>
-              <a:t>6/7/2018</a:t>
+              <a:t>28/9/18</a:t>
             </a:fld>
             <a:endParaRPr lang="en-SG"/>
           </a:p>
@@ -2402,7 +2398,7 @@
           <a:p>
             <a:fld id="{542F47FF-5056-41FF-A1F8-23A414798AA4}" type="datetimeFigureOut">
               <a:rPr lang="en-SG" smtClean="0"/>
-              <a:t>6/7/2018</a:t>
+              <a:t>28/9/18</a:t>
             </a:fld>
             <a:endParaRPr lang="en-SG"/>
           </a:p>
@@ -2691,7 +2687,7 @@
           <a:p>
             <a:fld id="{542F47FF-5056-41FF-A1F8-23A414798AA4}" type="datetimeFigureOut">
               <a:rPr lang="en-SG" smtClean="0"/>
-              <a:t>6/7/2018</a:t>
+              <a:t>28/9/18</a:t>
             </a:fld>
             <a:endParaRPr lang="en-SG"/>
           </a:p>
@@ -2934,7 +2930,7 @@
           <a:p>
             <a:fld id="{542F47FF-5056-41FF-A1F8-23A414798AA4}" type="datetimeFigureOut">
               <a:rPr lang="en-SG" smtClean="0"/>
-              <a:t>6/7/2018</a:t>
+              <a:t>28/9/18</a:t>
             </a:fld>
             <a:endParaRPr lang="en-SG"/>
           </a:p>
@@ -3656,7 +3652,15 @@
             </a:r>
             <a:r>
               <a:rPr lang="en-US" dirty="0"/>
-              <a:t>command commits address book]</a:t>
+              <a:t>command commits </a:t>
+            </a:r>
+            <a:r>
+              <a:rPr lang="en-US" altLang="zh-CN" dirty="0"/>
+              <a:t>forum</a:t>
+            </a:r>
+            <a:r>
+              <a:rPr lang="en-US" dirty="0"/>
+              <a:t> book]</a:t>
             </a:r>
             <a:endParaRPr lang="en-SG" sz="1801" dirty="0"/>
           </a:p>
@@ -3709,11 +3713,23 @@
             <a:pPr algn="ctr"/>
             <a:r>
               <a:rPr lang="en-SG" sz="1801" dirty="0"/>
-              <a:t>Purge redundant states and then save address book to </a:t>
+              <a:t>Purge redundant states and then save </a:t>
+            </a:r>
+            <a:r>
+              <a:rPr lang="en-US" altLang="zh-CN" sz="1801" dirty="0"/>
+              <a:t>forum</a:t>
+            </a:r>
+            <a:r>
+              <a:rPr lang="en-SG" sz="1801" dirty="0"/>
+              <a:t> book to </a:t>
+            </a:r>
+            <a:r>
+              <a:rPr lang="en-US" altLang="zh-CN" sz="1801" dirty="0"/>
+              <a:t>forum</a:t>
             </a:r>
             <a:r>
               <a:rPr lang="en-SG" sz="1801" dirty="0" err="1"/>
-              <a:t>addressBookStateList</a:t>
+              <a:t>BookStateList</a:t>
             </a:r>
             <a:r>
               <a:rPr lang="en-SG" sz="1801" dirty="0"/>

--- a/docs/diagrams/UndoRedoActivityDiagram.pptx
+++ b/docs/diagrams/UndoRedoActivityDiagram.pptx
@@ -112,10 +112,6 @@
 </p:presentation>
 </file>
 
-<file path=ppt/revisionInfo.xml><?xml version="1.0" encoding="utf-8"?>
-<p1510:revInfo xmlns:a="http://schemas.openxmlformats.org/drawingml/2006/main" xmlns:r="http://schemas.openxmlformats.org/officeDocument/2006/relationships" xmlns:p1510="http://schemas.microsoft.com/office/powerpoint/2015/10/main"/>
-</file>
-
 <file path=ppt/slideLayouts/slideLayout1.xml><?xml version="1.0" encoding="utf-8"?>
 <p:sldLayout xmlns:a="http://schemas.openxmlformats.org/drawingml/2006/main" xmlns:r="http://schemas.openxmlformats.org/officeDocument/2006/relationships" xmlns:p="http://schemas.openxmlformats.org/presentationml/2006/main" type="title" preserve="1">
   <p:cSld name="Title Slide">
@@ -265,7 +261,7 @@
           <a:p>
             <a:fld id="{542F47FF-5056-41FF-A1F8-23A414798AA4}" type="datetimeFigureOut">
               <a:rPr lang="en-SG" smtClean="0"/>
-              <a:t>6/7/2018</a:t>
+              <a:t>21/10/2018</a:t>
             </a:fld>
             <a:endParaRPr lang="en-SG"/>
           </a:p>
@@ -465,7 +461,7 @@
           <a:p>
             <a:fld id="{542F47FF-5056-41FF-A1F8-23A414798AA4}" type="datetimeFigureOut">
               <a:rPr lang="en-SG" smtClean="0"/>
-              <a:t>6/7/2018</a:t>
+              <a:t>21/10/2018</a:t>
             </a:fld>
             <a:endParaRPr lang="en-SG"/>
           </a:p>
@@ -675,7 +671,7 @@
           <a:p>
             <a:fld id="{542F47FF-5056-41FF-A1F8-23A414798AA4}" type="datetimeFigureOut">
               <a:rPr lang="en-SG" smtClean="0"/>
-              <a:t>6/7/2018</a:t>
+              <a:t>21/10/2018</a:t>
             </a:fld>
             <a:endParaRPr lang="en-SG"/>
           </a:p>
@@ -875,7 +871,7 @@
           <a:p>
             <a:fld id="{542F47FF-5056-41FF-A1F8-23A414798AA4}" type="datetimeFigureOut">
               <a:rPr lang="en-SG" smtClean="0"/>
-              <a:t>6/7/2018</a:t>
+              <a:t>21/10/2018</a:t>
             </a:fld>
             <a:endParaRPr lang="en-SG"/>
           </a:p>
@@ -1151,7 +1147,7 @@
           <a:p>
             <a:fld id="{542F47FF-5056-41FF-A1F8-23A414798AA4}" type="datetimeFigureOut">
               <a:rPr lang="en-SG" smtClean="0"/>
-              <a:t>6/7/2018</a:t>
+              <a:t>21/10/2018</a:t>
             </a:fld>
             <a:endParaRPr lang="en-SG"/>
           </a:p>
@@ -1419,7 +1415,7 @@
           <a:p>
             <a:fld id="{542F47FF-5056-41FF-A1F8-23A414798AA4}" type="datetimeFigureOut">
               <a:rPr lang="en-SG" smtClean="0"/>
-              <a:t>6/7/2018</a:t>
+              <a:t>21/10/2018</a:t>
             </a:fld>
             <a:endParaRPr lang="en-SG"/>
           </a:p>
@@ -1834,7 +1830,7 @@
           <a:p>
             <a:fld id="{542F47FF-5056-41FF-A1F8-23A414798AA4}" type="datetimeFigureOut">
               <a:rPr lang="en-SG" smtClean="0"/>
-              <a:t>6/7/2018</a:t>
+              <a:t>21/10/2018</a:t>
             </a:fld>
             <a:endParaRPr lang="en-SG"/>
           </a:p>
@@ -1976,7 +1972,7 @@
           <a:p>
             <a:fld id="{542F47FF-5056-41FF-A1F8-23A414798AA4}" type="datetimeFigureOut">
               <a:rPr lang="en-SG" smtClean="0"/>
-              <a:t>6/7/2018</a:t>
+              <a:t>21/10/2018</a:t>
             </a:fld>
             <a:endParaRPr lang="en-SG"/>
           </a:p>
@@ -2089,7 +2085,7 @@
           <a:p>
             <a:fld id="{542F47FF-5056-41FF-A1F8-23A414798AA4}" type="datetimeFigureOut">
               <a:rPr lang="en-SG" smtClean="0"/>
-              <a:t>6/7/2018</a:t>
+              <a:t>21/10/2018</a:t>
             </a:fld>
             <a:endParaRPr lang="en-SG"/>
           </a:p>
@@ -2402,7 +2398,7 @@
           <a:p>
             <a:fld id="{542F47FF-5056-41FF-A1F8-23A414798AA4}" type="datetimeFigureOut">
               <a:rPr lang="en-SG" smtClean="0"/>
-              <a:t>6/7/2018</a:t>
+              <a:t>21/10/2018</a:t>
             </a:fld>
             <a:endParaRPr lang="en-SG"/>
           </a:p>
@@ -2691,7 +2687,7 @@
           <a:p>
             <a:fld id="{542F47FF-5056-41FF-A1F8-23A414798AA4}" type="datetimeFigureOut">
               <a:rPr lang="en-SG" smtClean="0"/>
-              <a:t>6/7/2018</a:t>
+              <a:t>21/10/2018</a:t>
             </a:fld>
             <a:endParaRPr lang="en-SG"/>
           </a:p>
@@ -2934,7 +2930,7 @@
           <a:p>
             <a:fld id="{542F47FF-5056-41FF-A1F8-23A414798AA4}" type="datetimeFigureOut">
               <a:rPr lang="en-SG" smtClean="0"/>
-              <a:t>6/7/2018</a:t>
+              <a:t>21/10/2018</a:t>
             </a:fld>
             <a:endParaRPr lang="en-SG"/>
           </a:p>
@@ -3656,7 +3652,7 @@
             </a:r>
             <a:r>
               <a:rPr lang="en-US" dirty="0"/>
-              <a:t>command commits address book]</a:t>
+              <a:t>command commits task book]</a:t>
             </a:r>
             <a:endParaRPr lang="en-SG" sz="1801" dirty="0"/>
           </a:p>
@@ -3709,11 +3705,11 @@
             <a:pPr algn="ctr"/>
             <a:r>
               <a:rPr lang="en-SG" sz="1801" dirty="0"/>
-              <a:t>Purge redundant states and then save address book to </a:t>
-            </a:r>
-            <a:r>
-              <a:rPr lang="en-SG" sz="1801" dirty="0" err="1"/>
-              <a:t>addressBookStateList</a:t>
+              <a:t>Purge redundant states and then save task book to </a:t>
+            </a:r>
+            <a:r>
+              <a:rPr lang="en-SG" sz="1801"/>
+              <a:t>taskBookStateList</a:t>
             </a:r>
             <a:r>
               <a:rPr lang="en-SG" sz="1801" dirty="0"/>

--- a/docs/diagrams/UndoRedoActivityDiagram.pptx
+++ b/docs/diagrams/UndoRedoActivityDiagram.pptx
@@ -112,10 +112,6 @@
 </p:presentation>
 </file>
 
-<file path=ppt/revisionInfo.xml><?xml version="1.0" encoding="utf-8"?>
-<p1510:revInfo xmlns:a="http://schemas.openxmlformats.org/drawingml/2006/main" xmlns:r="http://schemas.openxmlformats.org/officeDocument/2006/relationships" xmlns:p1510="http://schemas.microsoft.com/office/powerpoint/2015/10/main"/>
-</file>
-
 <file path=ppt/slideLayouts/slideLayout1.xml><?xml version="1.0" encoding="utf-8"?>
 <p:sldLayout xmlns:a="http://schemas.openxmlformats.org/drawingml/2006/main" xmlns:r="http://schemas.openxmlformats.org/officeDocument/2006/relationships" xmlns:p="http://schemas.openxmlformats.org/presentationml/2006/main" type="title" preserve="1">
   <p:cSld name="Title Slide">
@@ -265,7 +261,7 @@
           <a:p>
             <a:fld id="{542F47FF-5056-41FF-A1F8-23A414798AA4}" type="datetimeFigureOut">
               <a:rPr lang="en-SG" smtClean="0"/>
-              <a:t>6/7/2018</a:t>
+              <a:t>2/11/18</a:t>
             </a:fld>
             <a:endParaRPr lang="en-SG"/>
           </a:p>
@@ -465,7 +461,7 @@
           <a:p>
             <a:fld id="{542F47FF-5056-41FF-A1F8-23A414798AA4}" type="datetimeFigureOut">
               <a:rPr lang="en-SG" smtClean="0"/>
-              <a:t>6/7/2018</a:t>
+              <a:t>2/11/18</a:t>
             </a:fld>
             <a:endParaRPr lang="en-SG"/>
           </a:p>
@@ -675,7 +671,7 @@
           <a:p>
             <a:fld id="{542F47FF-5056-41FF-A1F8-23A414798AA4}" type="datetimeFigureOut">
               <a:rPr lang="en-SG" smtClean="0"/>
-              <a:t>6/7/2018</a:t>
+              <a:t>2/11/18</a:t>
             </a:fld>
             <a:endParaRPr lang="en-SG"/>
           </a:p>
@@ -875,7 +871,7 @@
           <a:p>
             <a:fld id="{542F47FF-5056-41FF-A1F8-23A414798AA4}" type="datetimeFigureOut">
               <a:rPr lang="en-SG" smtClean="0"/>
-              <a:t>6/7/2018</a:t>
+              <a:t>2/11/18</a:t>
             </a:fld>
             <a:endParaRPr lang="en-SG"/>
           </a:p>
@@ -1151,7 +1147,7 @@
           <a:p>
             <a:fld id="{542F47FF-5056-41FF-A1F8-23A414798AA4}" type="datetimeFigureOut">
               <a:rPr lang="en-SG" smtClean="0"/>
-              <a:t>6/7/2018</a:t>
+              <a:t>2/11/18</a:t>
             </a:fld>
             <a:endParaRPr lang="en-SG"/>
           </a:p>
@@ -1419,7 +1415,7 @@
           <a:p>
             <a:fld id="{542F47FF-5056-41FF-A1F8-23A414798AA4}" type="datetimeFigureOut">
               <a:rPr lang="en-SG" smtClean="0"/>
-              <a:t>6/7/2018</a:t>
+              <a:t>2/11/18</a:t>
             </a:fld>
             <a:endParaRPr lang="en-SG"/>
           </a:p>
@@ -1834,7 +1830,7 @@
           <a:p>
             <a:fld id="{542F47FF-5056-41FF-A1F8-23A414798AA4}" type="datetimeFigureOut">
               <a:rPr lang="en-SG" smtClean="0"/>
-              <a:t>6/7/2018</a:t>
+              <a:t>2/11/18</a:t>
             </a:fld>
             <a:endParaRPr lang="en-SG"/>
           </a:p>
@@ -1976,7 +1972,7 @@
           <a:p>
             <a:fld id="{542F47FF-5056-41FF-A1F8-23A414798AA4}" type="datetimeFigureOut">
               <a:rPr lang="en-SG" smtClean="0"/>
-              <a:t>6/7/2018</a:t>
+              <a:t>2/11/18</a:t>
             </a:fld>
             <a:endParaRPr lang="en-SG"/>
           </a:p>
@@ -2089,7 +2085,7 @@
           <a:p>
             <a:fld id="{542F47FF-5056-41FF-A1F8-23A414798AA4}" type="datetimeFigureOut">
               <a:rPr lang="en-SG" smtClean="0"/>
-              <a:t>6/7/2018</a:t>
+              <a:t>2/11/18</a:t>
             </a:fld>
             <a:endParaRPr lang="en-SG"/>
           </a:p>
@@ -2402,7 +2398,7 @@
           <a:p>
             <a:fld id="{542F47FF-5056-41FF-A1F8-23A414798AA4}" type="datetimeFigureOut">
               <a:rPr lang="en-SG" smtClean="0"/>
-              <a:t>6/7/2018</a:t>
+              <a:t>2/11/18</a:t>
             </a:fld>
             <a:endParaRPr lang="en-SG"/>
           </a:p>
@@ -2691,7 +2687,7 @@
           <a:p>
             <a:fld id="{542F47FF-5056-41FF-A1F8-23A414798AA4}" type="datetimeFigureOut">
               <a:rPr lang="en-SG" smtClean="0"/>
-              <a:t>6/7/2018</a:t>
+              <a:t>2/11/18</a:t>
             </a:fld>
             <a:endParaRPr lang="en-SG"/>
           </a:p>
@@ -2934,7 +2930,7 @@
           <a:p>
             <a:fld id="{542F47FF-5056-41FF-A1F8-23A414798AA4}" type="datetimeFigureOut">
               <a:rPr lang="en-SG" smtClean="0"/>
-              <a:t>6/7/2018</a:t>
+              <a:t>2/11/18</a:t>
             </a:fld>
             <a:endParaRPr lang="en-SG"/>
           </a:p>
@@ -3656,7 +3652,7 @@
             </a:r>
             <a:r>
               <a:rPr lang="en-US" dirty="0"/>
-              <a:t>command commits address book]</a:t>
+              <a:t>command commits event manager]</a:t>
             </a:r>
             <a:endParaRPr lang="en-SG" sz="1801" dirty="0"/>
           </a:p>
@@ -3713,7 +3709,7 @@
             </a:r>
             <a:r>
               <a:rPr lang="en-SG" sz="1801" dirty="0" err="1"/>
-              <a:t>addressBookStateList</a:t>
+              <a:t>eventManagerStateList</a:t>
             </a:r>
             <a:r>
               <a:rPr lang="en-SG" sz="1801" dirty="0"/>
@@ -4045,6 +4041,38 @@
           </a:fontRef>
         </p:style>
       </p:cxnSp>
+      <p:sp>
+        <p:nvSpPr>
+          <p:cNvPr id="2" name="TextBox 1">
+            <a:extLst>
+              <a:ext uri="{FF2B5EF4-FFF2-40B4-BE49-F238E27FC236}">
+                <a16:creationId xmlns:a16="http://schemas.microsoft.com/office/drawing/2014/main" id="{515E5A44-1B6F-A341-A1A5-32FCC9DC6E2E}"/>
+              </a:ext>
+            </a:extLst>
+          </p:cNvPr>
+          <p:cNvSpPr txBox="1"/>
+          <p:nvPr/>
+        </p:nvSpPr>
+        <p:spPr>
+          <a:xfrm>
+            <a:off x="5960533" y="1941689"/>
+            <a:ext cx="184731" cy="369332"/>
+          </a:xfrm>
+          <a:prstGeom prst="rect">
+            <a:avLst/>
+          </a:prstGeom>
+          <a:noFill/>
+        </p:spPr>
+        <p:txBody>
+          <a:bodyPr wrap="none" rtlCol="0">
+            <a:spAutoFit/>
+          </a:bodyPr>
+          <a:lstStyle/>
+          <a:p>
+            <a:endParaRPr lang="en-US" dirty="0"/>
+          </a:p>
+        </p:txBody>
+      </p:sp>
     </p:spTree>
     <p:extLst>
       <p:ext uri="{BB962C8B-B14F-4D97-AF65-F5344CB8AC3E}">

--- a/docs/diagrams/UndoRedoActivityDiagram.pptx
+++ b/docs/diagrams/UndoRedoActivityDiagram.pptx
@@ -112,10 +112,6 @@
 </p:presentation>
 </file>
 
-<file path=ppt/revisionInfo.xml><?xml version="1.0" encoding="utf-8"?>
-<p1510:revInfo xmlns:a="http://schemas.openxmlformats.org/drawingml/2006/main" xmlns:r="http://schemas.openxmlformats.org/officeDocument/2006/relationships" xmlns:p1510="http://schemas.microsoft.com/office/powerpoint/2015/10/main"/>
-</file>
-
 <file path=ppt/slideLayouts/slideLayout1.xml><?xml version="1.0" encoding="utf-8"?>
 <p:sldLayout xmlns:a="http://schemas.openxmlformats.org/drawingml/2006/main" xmlns:r="http://schemas.openxmlformats.org/officeDocument/2006/relationships" xmlns:p="http://schemas.openxmlformats.org/presentationml/2006/main" type="title" preserve="1">
   <p:cSld name="Title Slide">
@@ -265,7 +261,7 @@
           <a:p>
             <a:fld id="{542F47FF-5056-41FF-A1F8-23A414798AA4}" type="datetimeFigureOut">
               <a:rPr lang="en-SG" smtClean="0"/>
-              <a:t>6/7/2018</a:t>
+              <a:t>10/11/2018</a:t>
             </a:fld>
             <a:endParaRPr lang="en-SG"/>
           </a:p>
@@ -465,7 +461,7 @@
           <a:p>
             <a:fld id="{542F47FF-5056-41FF-A1F8-23A414798AA4}" type="datetimeFigureOut">
               <a:rPr lang="en-SG" smtClean="0"/>
-              <a:t>6/7/2018</a:t>
+              <a:t>10/11/2018</a:t>
             </a:fld>
             <a:endParaRPr lang="en-SG"/>
           </a:p>
@@ -675,7 +671,7 @@
           <a:p>
             <a:fld id="{542F47FF-5056-41FF-A1F8-23A414798AA4}" type="datetimeFigureOut">
               <a:rPr lang="en-SG" smtClean="0"/>
-              <a:t>6/7/2018</a:t>
+              <a:t>10/11/2018</a:t>
             </a:fld>
             <a:endParaRPr lang="en-SG"/>
           </a:p>
@@ -875,7 +871,7 @@
           <a:p>
             <a:fld id="{542F47FF-5056-41FF-A1F8-23A414798AA4}" type="datetimeFigureOut">
               <a:rPr lang="en-SG" smtClean="0"/>
-              <a:t>6/7/2018</a:t>
+              <a:t>10/11/2018</a:t>
             </a:fld>
             <a:endParaRPr lang="en-SG"/>
           </a:p>
@@ -1151,7 +1147,7 @@
           <a:p>
             <a:fld id="{542F47FF-5056-41FF-A1F8-23A414798AA4}" type="datetimeFigureOut">
               <a:rPr lang="en-SG" smtClean="0"/>
-              <a:t>6/7/2018</a:t>
+              <a:t>10/11/2018</a:t>
             </a:fld>
             <a:endParaRPr lang="en-SG"/>
           </a:p>
@@ -1419,7 +1415,7 @@
           <a:p>
             <a:fld id="{542F47FF-5056-41FF-A1F8-23A414798AA4}" type="datetimeFigureOut">
               <a:rPr lang="en-SG" smtClean="0"/>
-              <a:t>6/7/2018</a:t>
+              <a:t>10/11/2018</a:t>
             </a:fld>
             <a:endParaRPr lang="en-SG"/>
           </a:p>
@@ -1834,7 +1830,7 @@
           <a:p>
             <a:fld id="{542F47FF-5056-41FF-A1F8-23A414798AA4}" type="datetimeFigureOut">
               <a:rPr lang="en-SG" smtClean="0"/>
-              <a:t>6/7/2018</a:t>
+              <a:t>10/11/2018</a:t>
             </a:fld>
             <a:endParaRPr lang="en-SG"/>
           </a:p>
@@ -1976,7 +1972,7 @@
           <a:p>
             <a:fld id="{542F47FF-5056-41FF-A1F8-23A414798AA4}" type="datetimeFigureOut">
               <a:rPr lang="en-SG" smtClean="0"/>
-              <a:t>6/7/2018</a:t>
+              <a:t>10/11/2018</a:t>
             </a:fld>
             <a:endParaRPr lang="en-SG"/>
           </a:p>
@@ -2089,7 +2085,7 @@
           <a:p>
             <a:fld id="{542F47FF-5056-41FF-A1F8-23A414798AA4}" type="datetimeFigureOut">
               <a:rPr lang="en-SG" smtClean="0"/>
-              <a:t>6/7/2018</a:t>
+              <a:t>10/11/2018</a:t>
             </a:fld>
             <a:endParaRPr lang="en-SG"/>
           </a:p>
@@ -2402,7 +2398,7 @@
           <a:p>
             <a:fld id="{542F47FF-5056-41FF-A1F8-23A414798AA4}" type="datetimeFigureOut">
               <a:rPr lang="en-SG" smtClean="0"/>
-              <a:t>6/7/2018</a:t>
+              <a:t>10/11/2018</a:t>
             </a:fld>
             <a:endParaRPr lang="en-SG"/>
           </a:p>
@@ -2691,7 +2687,7 @@
           <a:p>
             <a:fld id="{542F47FF-5056-41FF-A1F8-23A414798AA4}" type="datetimeFigureOut">
               <a:rPr lang="en-SG" smtClean="0"/>
-              <a:t>6/7/2018</a:t>
+              <a:t>10/11/2018</a:t>
             </a:fld>
             <a:endParaRPr lang="en-SG"/>
           </a:p>
@@ -2934,7 +2930,7 @@
           <a:p>
             <a:fld id="{542F47FF-5056-41FF-A1F8-23A414798AA4}" type="datetimeFigureOut">
               <a:rPr lang="en-SG" smtClean="0"/>
-              <a:t>6/7/2018</a:t>
+              <a:t>10/11/2018</a:t>
             </a:fld>
             <a:endParaRPr lang="en-SG"/>
           </a:p>
@@ -3656,7 +3652,7 @@
             </a:r>
             <a:r>
               <a:rPr lang="en-US" dirty="0"/>
-              <a:t>command commits address book]</a:t>
+              <a:t>command commits financial planner]</a:t>
             </a:r>
             <a:endParaRPr lang="en-SG" sz="1801" dirty="0"/>
           </a:p>
@@ -3709,11 +3705,11 @@
             <a:pPr algn="ctr"/>
             <a:r>
               <a:rPr lang="en-SG" sz="1801" dirty="0"/>
-              <a:t>Purge redundant states and then save address book to </a:t>
+              <a:t>Purge redundant states and then save financial planner to </a:t>
             </a:r>
             <a:r>
               <a:rPr lang="en-SG" sz="1801" dirty="0" err="1"/>
-              <a:t>addressBookStateList</a:t>
+              <a:t>financialPlannerStateList</a:t>
             </a:r>
             <a:r>
               <a:rPr lang="en-SG" sz="1801" dirty="0"/>

--- a/docs/diagrams/UndoRedoActivityDiagram.pptx
+++ b/docs/diagrams/UndoRedoActivityDiagram.pptx
@@ -112,10 +112,6 @@
 </p:presentation>
 </file>
 
-<file path=ppt/revisionInfo.xml><?xml version="1.0" encoding="utf-8"?>
-<p1510:revInfo xmlns:a="http://schemas.openxmlformats.org/drawingml/2006/main" xmlns:r="http://schemas.openxmlformats.org/officeDocument/2006/relationships" xmlns:p1510="http://schemas.microsoft.com/office/powerpoint/2015/10/main"/>
-</file>
-
 <file path=ppt/slideLayouts/slideLayout1.xml><?xml version="1.0" encoding="utf-8"?>
 <p:sldLayout xmlns:a="http://schemas.openxmlformats.org/drawingml/2006/main" xmlns:r="http://schemas.openxmlformats.org/officeDocument/2006/relationships" xmlns:p="http://schemas.openxmlformats.org/presentationml/2006/main" type="title" preserve="1">
   <p:cSld name="Title Slide">
@@ -265,7 +261,7 @@
           <a:p>
             <a:fld id="{542F47FF-5056-41FF-A1F8-23A414798AA4}" type="datetimeFigureOut">
               <a:rPr lang="en-SG" smtClean="0"/>
-              <a:t>6/7/2018</a:t>
+              <a:t>12/11/2018</a:t>
             </a:fld>
             <a:endParaRPr lang="en-SG"/>
           </a:p>
@@ -465,7 +461,7 @@
           <a:p>
             <a:fld id="{542F47FF-5056-41FF-A1F8-23A414798AA4}" type="datetimeFigureOut">
               <a:rPr lang="en-SG" smtClean="0"/>
-              <a:t>6/7/2018</a:t>
+              <a:t>12/11/2018</a:t>
             </a:fld>
             <a:endParaRPr lang="en-SG"/>
           </a:p>
@@ -675,7 +671,7 @@
           <a:p>
             <a:fld id="{542F47FF-5056-41FF-A1F8-23A414798AA4}" type="datetimeFigureOut">
               <a:rPr lang="en-SG" smtClean="0"/>
-              <a:t>6/7/2018</a:t>
+              <a:t>12/11/2018</a:t>
             </a:fld>
             <a:endParaRPr lang="en-SG"/>
           </a:p>
@@ -875,7 +871,7 @@
           <a:p>
             <a:fld id="{542F47FF-5056-41FF-A1F8-23A414798AA4}" type="datetimeFigureOut">
               <a:rPr lang="en-SG" smtClean="0"/>
-              <a:t>6/7/2018</a:t>
+              <a:t>12/11/2018</a:t>
             </a:fld>
             <a:endParaRPr lang="en-SG"/>
           </a:p>
@@ -1151,7 +1147,7 @@
           <a:p>
             <a:fld id="{542F47FF-5056-41FF-A1F8-23A414798AA4}" type="datetimeFigureOut">
               <a:rPr lang="en-SG" smtClean="0"/>
-              <a:t>6/7/2018</a:t>
+              <a:t>12/11/2018</a:t>
             </a:fld>
             <a:endParaRPr lang="en-SG"/>
           </a:p>
@@ -1419,7 +1415,7 @@
           <a:p>
             <a:fld id="{542F47FF-5056-41FF-A1F8-23A414798AA4}" type="datetimeFigureOut">
               <a:rPr lang="en-SG" smtClean="0"/>
-              <a:t>6/7/2018</a:t>
+              <a:t>12/11/2018</a:t>
             </a:fld>
             <a:endParaRPr lang="en-SG"/>
           </a:p>
@@ -1834,7 +1830,7 @@
           <a:p>
             <a:fld id="{542F47FF-5056-41FF-A1F8-23A414798AA4}" type="datetimeFigureOut">
               <a:rPr lang="en-SG" smtClean="0"/>
-              <a:t>6/7/2018</a:t>
+              <a:t>12/11/2018</a:t>
             </a:fld>
             <a:endParaRPr lang="en-SG"/>
           </a:p>
@@ -1976,7 +1972,7 @@
           <a:p>
             <a:fld id="{542F47FF-5056-41FF-A1F8-23A414798AA4}" type="datetimeFigureOut">
               <a:rPr lang="en-SG" smtClean="0"/>
-              <a:t>6/7/2018</a:t>
+              <a:t>12/11/2018</a:t>
             </a:fld>
             <a:endParaRPr lang="en-SG"/>
           </a:p>
@@ -2089,7 +2085,7 @@
           <a:p>
             <a:fld id="{542F47FF-5056-41FF-A1F8-23A414798AA4}" type="datetimeFigureOut">
               <a:rPr lang="en-SG" smtClean="0"/>
-              <a:t>6/7/2018</a:t>
+              <a:t>12/11/2018</a:t>
             </a:fld>
             <a:endParaRPr lang="en-SG"/>
           </a:p>
@@ -2402,7 +2398,7 @@
           <a:p>
             <a:fld id="{542F47FF-5056-41FF-A1F8-23A414798AA4}" type="datetimeFigureOut">
               <a:rPr lang="en-SG" smtClean="0"/>
-              <a:t>6/7/2018</a:t>
+              <a:t>12/11/2018</a:t>
             </a:fld>
             <a:endParaRPr lang="en-SG"/>
           </a:p>
@@ -2691,7 +2687,7 @@
           <a:p>
             <a:fld id="{542F47FF-5056-41FF-A1F8-23A414798AA4}" type="datetimeFigureOut">
               <a:rPr lang="en-SG" smtClean="0"/>
-              <a:t>6/7/2018</a:t>
+              <a:t>12/11/2018</a:t>
             </a:fld>
             <a:endParaRPr lang="en-SG"/>
           </a:p>
@@ -2934,7 +2930,7 @@
           <a:p>
             <a:fld id="{542F47FF-5056-41FF-A1F8-23A414798AA4}" type="datetimeFigureOut">
               <a:rPr lang="en-SG" smtClean="0"/>
-              <a:t>6/7/2018</a:t>
+              <a:t>12/11/2018</a:t>
             </a:fld>
             <a:endParaRPr lang="en-SG"/>
           </a:p>
@@ -3656,7 +3652,15 @@
             </a:r>
             <a:r>
               <a:rPr lang="en-US" dirty="0"/>
-              <a:t>command commits address book]</a:t>
+              <a:t>command commits </a:t>
+            </a:r>
+            <a:r>
+              <a:rPr lang="en-US" dirty="0" err="1"/>
+              <a:t>RecruitBook</a:t>
+            </a:r>
+            <a:r>
+              <a:rPr lang="en-US" dirty="0"/>
+              <a:t>]</a:t>
             </a:r>
             <a:endParaRPr lang="en-SG" sz="1801" dirty="0"/>
           </a:p>
@@ -3709,11 +3713,19 @@
             <a:pPr algn="ctr"/>
             <a:r>
               <a:rPr lang="en-SG" sz="1801" dirty="0"/>
-              <a:t>Purge redundant states and then save address book to </a:t>
+              <a:t>Purge redundant states and then save </a:t>
             </a:r>
             <a:r>
               <a:rPr lang="en-SG" sz="1801" dirty="0" err="1"/>
-              <a:t>addressBookStateList</a:t>
+              <a:t>RecruitBook</a:t>
+            </a:r>
+            <a:r>
+              <a:rPr lang="en-SG" sz="1801" dirty="0"/>
+              <a:t> to </a:t>
+            </a:r>
+            <a:r>
+              <a:rPr lang="en-SG" sz="1801"/>
+              <a:t>recruitBookStateList</a:t>
             </a:r>
             <a:r>
               <a:rPr lang="en-SG" sz="1801" dirty="0"/>

--- a/docs/diagrams/UndoRedoActivityDiagram.pptx
+++ b/docs/diagrams/UndoRedoActivityDiagram.pptx
@@ -112,10 +112,6 @@
 </p:presentation>
 </file>
 
-<file path=ppt/revisionInfo.xml><?xml version="1.0" encoding="utf-8"?>
-<p1510:revInfo xmlns:a="http://schemas.openxmlformats.org/drawingml/2006/main" xmlns:r="http://schemas.openxmlformats.org/officeDocument/2006/relationships" xmlns:p1510="http://schemas.microsoft.com/office/powerpoint/2015/10/main"/>
-</file>
-
 <file path=ppt/slideLayouts/slideLayout1.xml><?xml version="1.0" encoding="utf-8"?>
 <p:sldLayout xmlns:a="http://schemas.openxmlformats.org/drawingml/2006/main" xmlns:r="http://schemas.openxmlformats.org/officeDocument/2006/relationships" xmlns:p="http://schemas.openxmlformats.org/presentationml/2006/main" type="title" preserve="1">
   <p:cSld name="Title Slide">
@@ -265,7 +261,7 @@
           <a:p>
             <a:fld id="{542F47FF-5056-41FF-A1F8-23A414798AA4}" type="datetimeFigureOut">
               <a:rPr lang="en-SG" smtClean="0"/>
-              <a:t>6/7/2018</a:t>
+              <a:t>12 Nov 2018</a:t>
             </a:fld>
             <a:endParaRPr lang="en-SG"/>
           </a:p>
@@ -465,7 +461,7 @@
           <a:p>
             <a:fld id="{542F47FF-5056-41FF-A1F8-23A414798AA4}" type="datetimeFigureOut">
               <a:rPr lang="en-SG" smtClean="0"/>
-              <a:t>6/7/2018</a:t>
+              <a:t>12 Nov 2018</a:t>
             </a:fld>
             <a:endParaRPr lang="en-SG"/>
           </a:p>
@@ -675,7 +671,7 @@
           <a:p>
             <a:fld id="{542F47FF-5056-41FF-A1F8-23A414798AA4}" type="datetimeFigureOut">
               <a:rPr lang="en-SG" smtClean="0"/>
-              <a:t>6/7/2018</a:t>
+              <a:t>12 Nov 2018</a:t>
             </a:fld>
             <a:endParaRPr lang="en-SG"/>
           </a:p>
@@ -875,7 +871,7 @@
           <a:p>
             <a:fld id="{542F47FF-5056-41FF-A1F8-23A414798AA4}" type="datetimeFigureOut">
               <a:rPr lang="en-SG" smtClean="0"/>
-              <a:t>6/7/2018</a:t>
+              <a:t>12 Nov 2018</a:t>
             </a:fld>
             <a:endParaRPr lang="en-SG"/>
           </a:p>
@@ -1151,7 +1147,7 @@
           <a:p>
             <a:fld id="{542F47FF-5056-41FF-A1F8-23A414798AA4}" type="datetimeFigureOut">
               <a:rPr lang="en-SG" smtClean="0"/>
-              <a:t>6/7/2018</a:t>
+              <a:t>12 Nov 2018</a:t>
             </a:fld>
             <a:endParaRPr lang="en-SG"/>
           </a:p>
@@ -1419,7 +1415,7 @@
           <a:p>
             <a:fld id="{542F47FF-5056-41FF-A1F8-23A414798AA4}" type="datetimeFigureOut">
               <a:rPr lang="en-SG" smtClean="0"/>
-              <a:t>6/7/2018</a:t>
+              <a:t>12 Nov 2018</a:t>
             </a:fld>
             <a:endParaRPr lang="en-SG"/>
           </a:p>
@@ -1834,7 +1830,7 @@
           <a:p>
             <a:fld id="{542F47FF-5056-41FF-A1F8-23A414798AA4}" type="datetimeFigureOut">
               <a:rPr lang="en-SG" smtClean="0"/>
-              <a:t>6/7/2018</a:t>
+              <a:t>12 Nov 2018</a:t>
             </a:fld>
             <a:endParaRPr lang="en-SG"/>
           </a:p>
@@ -1976,7 +1972,7 @@
           <a:p>
             <a:fld id="{542F47FF-5056-41FF-A1F8-23A414798AA4}" type="datetimeFigureOut">
               <a:rPr lang="en-SG" smtClean="0"/>
-              <a:t>6/7/2018</a:t>
+              <a:t>12 Nov 2018</a:t>
             </a:fld>
             <a:endParaRPr lang="en-SG"/>
           </a:p>
@@ -2089,7 +2085,7 @@
           <a:p>
             <a:fld id="{542F47FF-5056-41FF-A1F8-23A414798AA4}" type="datetimeFigureOut">
               <a:rPr lang="en-SG" smtClean="0"/>
-              <a:t>6/7/2018</a:t>
+              <a:t>12 Nov 2018</a:t>
             </a:fld>
             <a:endParaRPr lang="en-SG"/>
           </a:p>
@@ -2402,7 +2398,7 @@
           <a:p>
             <a:fld id="{542F47FF-5056-41FF-A1F8-23A414798AA4}" type="datetimeFigureOut">
               <a:rPr lang="en-SG" smtClean="0"/>
-              <a:t>6/7/2018</a:t>
+              <a:t>12 Nov 2018</a:t>
             </a:fld>
             <a:endParaRPr lang="en-SG"/>
           </a:p>
@@ -2691,7 +2687,7 @@
           <a:p>
             <a:fld id="{542F47FF-5056-41FF-A1F8-23A414798AA4}" type="datetimeFigureOut">
               <a:rPr lang="en-SG" smtClean="0"/>
-              <a:t>6/7/2018</a:t>
+              <a:t>12 Nov 2018</a:t>
             </a:fld>
             <a:endParaRPr lang="en-SG"/>
           </a:p>
@@ -2934,7 +2930,7 @@
           <a:p>
             <a:fld id="{542F47FF-5056-41FF-A1F8-23A414798AA4}" type="datetimeFigureOut">
               <a:rPr lang="en-SG" smtClean="0"/>
-              <a:t>6/7/2018</a:t>
+              <a:t>12 Nov 2018</a:t>
             </a:fld>
             <a:endParaRPr lang="en-SG"/>
           </a:p>
@@ -3656,7 +3652,7 @@
             </a:r>
             <a:r>
               <a:rPr lang="en-US" dirty="0"/>
-              <a:t>command commits address book]</a:t>
+              <a:t>command commits stock list]</a:t>
             </a:r>
             <a:endParaRPr lang="en-SG" sz="1801" dirty="0"/>
           </a:p>
@@ -3709,11 +3705,11 @@
             <a:pPr algn="ctr"/>
             <a:r>
               <a:rPr lang="en-SG" sz="1801" dirty="0"/>
-              <a:t>Purge redundant states and then save address book to </a:t>
+              <a:t>Purge redundant states and then save stock list to </a:t>
             </a:r>
             <a:r>
               <a:rPr lang="en-SG" sz="1801" dirty="0" err="1"/>
-              <a:t>addressBookStateList</a:t>
+              <a:t>stockListStateList</a:t>
             </a:r>
             <a:r>
               <a:rPr lang="en-SG" sz="1801" dirty="0"/>
